--- a/docs/development/requirements/images/figure-sources.pptx
+++ b/docs/development/requirements/images/figure-sources.pptx
@@ -122,23 +122,24 @@
   <pc:docChgLst>
     <pc:chgData name="Csatari, Gergely (Nokia - HU/Budapest)" userId="f5bffca3-77e4-4f86-ab35-a6eae4fbf322" providerId="ADAL" clId="{A97CE7F1-8510-462F-AB9E-1E80402E586D}"/>
     <pc:docChg chg="addSld delSld modSld">
-      <pc:chgData name="Csatari, Gergely (Nokia - HU/Budapest)" userId="f5bffca3-77e4-4f86-ab35-a6eae4fbf322" providerId="ADAL" clId="{A97CE7F1-8510-462F-AB9E-1E80402E586D}" dt="2018-08-29T12:44:23.508" v="3" actId="20577"/>
+      <pc:chgData name="Csatari, Gergely (Nokia - HU/Budapest)" userId="f5bffca3-77e4-4f86-ab35-a6eae4fbf322" providerId="ADAL" clId="{A97CE7F1-8510-462F-AB9E-1E80402E586D}" dt="2018-10-18T08:05:19.869" v="6" actId="6549"/>
       <pc:docMkLst>
         <pc:docMk/>
       </pc:docMkLst>
-      <pc:sldChg chg="del">
-        <pc:chgData name="Csatari, Gergely (Nokia - HU/Budapest)" userId="f5bffca3-77e4-4f86-ab35-a6eae4fbf322" providerId="ADAL" clId="{A97CE7F1-8510-462F-AB9E-1E80402E586D}" dt="2018-08-29T12:38:10.201" v="1" actId="2696"/>
-        <pc:sldMkLst>
-          <pc:docMk/>
-          <pc:sldMk cId="480702554" sldId="289"/>
-        </pc:sldMkLst>
-      </pc:sldChg>
       <pc:sldChg chg="modSp add">
-        <pc:chgData name="Csatari, Gergely (Nokia - HU/Budapest)" userId="f5bffca3-77e4-4f86-ab35-a6eae4fbf322" providerId="ADAL" clId="{A97CE7F1-8510-462F-AB9E-1E80402E586D}" dt="2018-08-29T12:44:23.508" v="3" actId="20577"/>
+        <pc:chgData name="Csatari, Gergely (Nokia - HU/Budapest)" userId="f5bffca3-77e4-4f86-ab35-a6eae4fbf322" providerId="ADAL" clId="{A97CE7F1-8510-462F-AB9E-1E80402E586D}" dt="2018-10-18T08:05:19.869" v="6" actId="6549"/>
         <pc:sldMkLst>
           <pc:docMk/>
           <pc:sldMk cId="1019781063" sldId="290"/>
         </pc:sldMkLst>
+        <pc:spChg chg="mod">
+          <ac:chgData name="Csatari, Gergely (Nokia - HU/Budapest)" userId="f5bffca3-77e4-4f86-ab35-a6eae4fbf322" providerId="ADAL" clId="{A97CE7F1-8510-462F-AB9E-1E80402E586D}" dt="2018-10-18T08:05:19.869" v="6" actId="6549"/>
+          <ac:spMkLst>
+            <pc:docMk/>
+            <pc:sldMk cId="1019781063" sldId="290"/>
+            <ac:spMk id="16" creationId="{F8ED39A8-1377-4641-955B-B363CC431355}"/>
+          </ac:spMkLst>
+        </pc:spChg>
         <pc:spChg chg="mod">
           <ac:chgData name="Csatari, Gergely (Nokia - HU/Budapest)" userId="f5bffca3-77e4-4f86-ab35-a6eae4fbf322" providerId="ADAL" clId="{A97CE7F1-8510-462F-AB9E-1E80402E586D}" dt="2018-08-29T12:44:23.508" v="3" actId="20577"/>
           <ac:spMkLst>
@@ -235,7 +236,7 @@
           <a:p>
             <a:fld id="{89B6AE7C-67A4-4638-82BF-982C440F83D2}" type="datetimeFigureOut">
               <a:rPr lang="zh-CN" altLang="en-US" smtClean="0"/>
-              <a:t>2018/8/29</a:t>
+              <a:t>2018/10/18</a:t>
             </a:fld>
             <a:endParaRPr lang="zh-CN" altLang="en-US"/>
           </a:p>
@@ -829,7 +830,7 @@
           <a:p>
             <a:fld id="{FB49822E-6889-48F5-8B4A-D54E35E7692A}" type="datetimeFigureOut">
               <a:rPr lang="zh-CN" altLang="en-US" smtClean="0"/>
-              <a:t>2018/8/29</a:t>
+              <a:t>2018/10/18</a:t>
             </a:fld>
             <a:endParaRPr lang="zh-CN" altLang="en-US"/>
           </a:p>
@@ -1027,7 +1028,7 @@
           <a:p>
             <a:fld id="{FB49822E-6889-48F5-8B4A-D54E35E7692A}" type="datetimeFigureOut">
               <a:rPr lang="zh-CN" altLang="en-US" smtClean="0"/>
-              <a:t>2018/8/29</a:t>
+              <a:t>2018/10/18</a:t>
             </a:fld>
             <a:endParaRPr lang="zh-CN" altLang="en-US"/>
           </a:p>
@@ -1235,7 +1236,7 @@
           <a:p>
             <a:fld id="{FB49822E-6889-48F5-8B4A-D54E35E7692A}" type="datetimeFigureOut">
               <a:rPr lang="zh-CN" altLang="en-US" smtClean="0"/>
-              <a:t>2018/8/29</a:t>
+              <a:t>2018/10/18</a:t>
             </a:fld>
             <a:endParaRPr lang="zh-CN" altLang="en-US"/>
           </a:p>
@@ -1433,7 +1434,7 @@
           <a:p>
             <a:fld id="{FB49822E-6889-48F5-8B4A-D54E35E7692A}" type="datetimeFigureOut">
               <a:rPr lang="zh-CN" altLang="en-US" smtClean="0"/>
-              <a:t>2018/8/29</a:t>
+              <a:t>2018/10/18</a:t>
             </a:fld>
             <a:endParaRPr lang="zh-CN" altLang="en-US"/>
           </a:p>
@@ -1708,7 +1709,7 @@
           <a:p>
             <a:fld id="{FB49822E-6889-48F5-8B4A-D54E35E7692A}" type="datetimeFigureOut">
               <a:rPr lang="zh-CN" altLang="en-US" smtClean="0"/>
-              <a:t>2018/8/29</a:t>
+              <a:t>2018/10/18</a:t>
             </a:fld>
             <a:endParaRPr lang="zh-CN" altLang="en-US"/>
           </a:p>
@@ -1973,7 +1974,7 @@
           <a:p>
             <a:fld id="{FB49822E-6889-48F5-8B4A-D54E35E7692A}" type="datetimeFigureOut">
               <a:rPr lang="zh-CN" altLang="en-US" smtClean="0"/>
-              <a:t>2018/8/29</a:t>
+              <a:t>2018/10/18</a:t>
             </a:fld>
             <a:endParaRPr lang="zh-CN" altLang="en-US"/>
           </a:p>
@@ -2385,7 +2386,7 @@
           <a:p>
             <a:fld id="{FB49822E-6889-48F5-8B4A-D54E35E7692A}" type="datetimeFigureOut">
               <a:rPr lang="zh-CN" altLang="en-US" smtClean="0"/>
-              <a:t>2018/8/29</a:t>
+              <a:t>2018/10/18</a:t>
             </a:fld>
             <a:endParaRPr lang="zh-CN" altLang="en-US"/>
           </a:p>
@@ -2526,7 +2527,7 @@
           <a:p>
             <a:fld id="{FB49822E-6889-48F5-8B4A-D54E35E7692A}" type="datetimeFigureOut">
               <a:rPr lang="zh-CN" altLang="en-US" smtClean="0"/>
-              <a:t>2018/8/29</a:t>
+              <a:t>2018/10/18</a:t>
             </a:fld>
             <a:endParaRPr lang="zh-CN" altLang="en-US"/>
           </a:p>
@@ -2639,7 +2640,7 @@
           <a:p>
             <a:fld id="{FB49822E-6889-48F5-8B4A-D54E35E7692A}" type="datetimeFigureOut">
               <a:rPr lang="zh-CN" altLang="en-US" smtClean="0"/>
-              <a:t>2018/8/29</a:t>
+              <a:t>2018/10/18</a:t>
             </a:fld>
             <a:endParaRPr lang="zh-CN" altLang="en-US"/>
           </a:p>
@@ -2950,7 +2951,7 @@
           <a:p>
             <a:fld id="{FB49822E-6889-48F5-8B4A-D54E35E7692A}" type="datetimeFigureOut">
               <a:rPr lang="zh-CN" altLang="en-US" smtClean="0"/>
-              <a:t>2018/8/29</a:t>
+              <a:t>2018/10/18</a:t>
             </a:fld>
             <a:endParaRPr lang="zh-CN" altLang="en-US"/>
           </a:p>
@@ -3238,7 +3239,7 @@
           <a:p>
             <a:fld id="{FB49822E-6889-48F5-8B4A-D54E35E7692A}" type="datetimeFigureOut">
               <a:rPr lang="zh-CN" altLang="en-US" smtClean="0"/>
-              <a:t>2018/8/29</a:t>
+              <a:t>2018/10/18</a:t>
             </a:fld>
             <a:endParaRPr lang="zh-CN" altLang="en-US"/>
           </a:p>
@@ -3479,7 +3480,7 @@
           <a:p>
             <a:fld id="{FB49822E-6889-48F5-8B4A-D54E35E7692A}" type="datetimeFigureOut">
               <a:rPr lang="zh-CN" altLang="en-US" smtClean="0"/>
-              <a:t>2018/8/29</a:t>
+              <a:t>2018/10/18</a:t>
             </a:fld>
             <a:endParaRPr lang="zh-CN" altLang="en-US"/>
           </a:p>
@@ -4144,7 +4145,7 @@
             <a:ln/>
             <a:extLst>
               <a:ext uri="{AF507438-7753-43e0-B8FC-AC1667EBCBE1}">
-                <a14:hiddenEffects xmlns:lc="http://schemas.openxmlformats.org/drawingml/2006/lockedCanvas" xmlns:a14="http://schemas.microsoft.com/office/drawing/2010/main" xmlns="">
+                <a14:hiddenEffects xmlns="" xmlns:a14="http://schemas.microsoft.com/office/drawing/2010/main" xmlns:lc="http://schemas.openxmlformats.org/drawingml/2006/lockedCanvas">
                   <a:effectLst>
                     <a:outerShdw dist="35921" dir="2700000" algn="ctr" rotWithShape="0">
                       <a:schemeClr val="bg2"/>
@@ -4342,7 +4343,7 @@
             <a:ln/>
             <a:extLst>
               <a:ext uri="{AF507438-7753-43e0-B8FC-AC1667EBCBE1}">
-                <a14:hiddenEffects xmlns:lc="http://schemas.openxmlformats.org/drawingml/2006/lockedCanvas" xmlns:a14="http://schemas.microsoft.com/office/drawing/2010/main" xmlns="">
+                <a14:hiddenEffects xmlns="" xmlns:a14="http://schemas.microsoft.com/office/drawing/2010/main" xmlns:lc="http://schemas.openxmlformats.org/drawingml/2006/lockedCanvas">
                   <a:effectLst>
                     <a:outerShdw dist="35921" dir="2700000" algn="ctr" rotWithShape="0">
                       <a:schemeClr val="bg2"/>
@@ -4611,7 +4612,7 @@
             <a:effectLst/>
             <a:extLst>
               <a:ext uri="{AF507438-7753-43e0-B8FC-AC1667EBCBE1}">
-                <a14:hiddenEffects xmlns:lc="http://schemas.openxmlformats.org/drawingml/2006/lockedCanvas" xmlns:a14="http://schemas.microsoft.com/office/drawing/2010/main" xmlns="">
+                <a14:hiddenEffects xmlns="" xmlns:a14="http://schemas.microsoft.com/office/drawing/2010/main" xmlns:lc="http://schemas.openxmlformats.org/drawingml/2006/lockedCanvas">
                   <a:effectLst>
                     <a:outerShdw dist="35921" dir="2700000" algn="ctr" rotWithShape="0">
                       <a:schemeClr val="bg2"/>
@@ -4811,7 +4812,7 @@
             </a:ln>
             <a:extLst>
               <a:ext uri="{AF507438-7753-43e0-B8FC-AC1667EBCBE1}">
-                <a14:hiddenEffects xmlns:lc="http://schemas.openxmlformats.org/drawingml/2006/lockedCanvas" xmlns:a14="http://schemas.microsoft.com/office/drawing/2010/main" xmlns="">
+                <a14:hiddenEffects xmlns="" xmlns:a14="http://schemas.microsoft.com/office/drawing/2010/main" xmlns:lc="http://schemas.openxmlformats.org/drawingml/2006/lockedCanvas">
                   <a:effectLst>
                     <a:outerShdw dist="35921" dir="2700000" algn="ctr" rotWithShape="0">
                       <a:schemeClr val="bg2"/>
@@ -5424,7 +5425,7 @@
                   <a:latin typeface="微软雅黑" pitchFamily="34" charset="-122"/>
                   <a:ea typeface="微软雅黑" pitchFamily="34" charset="-122"/>
                 </a:rPr>
-                <a:t>LW OpenStack</a:t>
+                <a:t>OpenStack</a:t>
               </a:r>
               <a:endParaRPr lang="zh-CN" altLang="en-US" sz="1200" dirty="0">
                 <a:solidFill>
@@ -5461,7 +5462,7 @@
             <a:ln/>
             <a:extLst>
               <a:ext uri="{AF507438-7753-43e0-B8FC-AC1667EBCBE1}">
-                <a14:hiddenEffects xmlns:lc="http://schemas.openxmlformats.org/drawingml/2006/lockedCanvas" xmlns:a14="http://schemas.microsoft.com/office/drawing/2010/main" xmlns="">
+                <a14:hiddenEffects xmlns="" xmlns:a14="http://schemas.microsoft.com/office/drawing/2010/main" xmlns:lc="http://schemas.openxmlformats.org/drawingml/2006/lockedCanvas">
                   <a:effectLst>
                     <a:outerShdw dist="35921" dir="2700000" algn="ctr" rotWithShape="0">
                       <a:schemeClr val="bg2"/>
@@ -5820,7 +5821,7 @@
             <a:ln/>
             <a:extLst>
               <a:ext uri="{AF507438-7753-43e0-B8FC-AC1667EBCBE1}">
-                <a14:hiddenEffects xmlns:lc="http://schemas.openxmlformats.org/drawingml/2006/lockedCanvas" xmlns:a14="http://schemas.microsoft.com/office/drawing/2010/main" xmlns="">
+                <a14:hiddenEffects xmlns="" xmlns:a14="http://schemas.microsoft.com/office/drawing/2010/main" xmlns:lc="http://schemas.openxmlformats.org/drawingml/2006/lockedCanvas">
                   <a:effectLst>
                     <a:outerShdw dist="35921" dir="2700000" algn="ctr" rotWithShape="0">
                       <a:schemeClr val="bg2"/>
@@ -6100,7 +6101,7 @@
             <a:ln/>
             <a:extLst>
               <a:ext uri="{AF507438-7753-43e0-B8FC-AC1667EBCBE1}">
-                <a14:hiddenEffects xmlns:lc="http://schemas.openxmlformats.org/drawingml/2006/lockedCanvas" xmlns:a14="http://schemas.microsoft.com/office/drawing/2010/main" xmlns="">
+                <a14:hiddenEffects xmlns="" xmlns:a14="http://schemas.microsoft.com/office/drawing/2010/main" xmlns:lc="http://schemas.openxmlformats.org/drawingml/2006/lockedCanvas">
                   <a:effectLst>
                     <a:outerShdw dist="35921" dir="2700000" algn="ctr" rotWithShape="0">
                       <a:schemeClr val="bg2"/>
@@ -7142,7 +7143,7 @@
             <a:ln/>
             <a:extLst>
               <a:ext uri="{AF507438-7753-43e0-B8FC-AC1667EBCBE1}">
-                <a14:hiddenEffects xmlns:lc="http://schemas.openxmlformats.org/drawingml/2006/lockedCanvas" xmlns:a14="http://schemas.microsoft.com/office/drawing/2010/main" xmlns="">
+                <a14:hiddenEffects xmlns="" xmlns:a14="http://schemas.microsoft.com/office/drawing/2010/main" xmlns:lc="http://schemas.openxmlformats.org/drawingml/2006/lockedCanvas">
                   <a:effectLst>
                     <a:outerShdw dist="35921" dir="2700000" algn="ctr" rotWithShape="0">
                       <a:schemeClr val="bg2"/>
@@ -7443,7 +7444,7 @@
             <a:effectLst/>
             <a:extLst>
               <a:ext uri="{AF507438-7753-43e0-B8FC-AC1667EBCBE1}">
-                <a14:hiddenEffects xmlns:lc="http://schemas.openxmlformats.org/drawingml/2006/lockedCanvas" xmlns:a14="http://schemas.microsoft.com/office/drawing/2010/main" xmlns="">
+                <a14:hiddenEffects xmlns="" xmlns:a14="http://schemas.microsoft.com/office/drawing/2010/main" xmlns:lc="http://schemas.openxmlformats.org/drawingml/2006/lockedCanvas">
                   <a:effectLst>
                     <a:outerShdw dist="35921" dir="2700000" algn="ctr" rotWithShape="0">
                       <a:schemeClr val="bg2"/>
@@ -8261,7 +8262,7 @@
             <a:effectLst/>
             <a:extLst>
               <a:ext uri="{AF507438-7753-43e0-B8FC-AC1667EBCBE1}">
-                <a14:hiddenEffects xmlns:lc="http://schemas.openxmlformats.org/drawingml/2006/lockedCanvas" xmlns:a14="http://schemas.microsoft.com/office/drawing/2010/main" xmlns="">
+                <a14:hiddenEffects xmlns="" xmlns:a14="http://schemas.microsoft.com/office/drawing/2010/main" xmlns:lc="http://schemas.openxmlformats.org/drawingml/2006/lockedCanvas">
                   <a:effectLst>
                     <a:outerShdw dist="35921" dir="2700000" algn="ctr" rotWithShape="0">
                       <a:schemeClr val="bg2"/>
@@ -8626,7 +8627,7 @@
             <a:ln/>
             <a:extLst>
               <a:ext uri="{AF507438-7753-43e0-B8FC-AC1667EBCBE1}">
-                <a14:hiddenEffects xmlns:lc="http://schemas.openxmlformats.org/drawingml/2006/lockedCanvas" xmlns:a14="http://schemas.microsoft.com/office/drawing/2010/main" xmlns="">
+                <a14:hiddenEffects xmlns="" xmlns:a14="http://schemas.microsoft.com/office/drawing/2010/main" xmlns:lc="http://schemas.openxmlformats.org/drawingml/2006/lockedCanvas">
                   <a:effectLst>
                     <a:outerShdw dist="35921" dir="2700000" algn="ctr" rotWithShape="0">
                       <a:schemeClr val="bg2"/>
@@ -8922,7 +8923,7 @@
             <a:ln/>
             <a:extLst>
               <a:ext uri="{AF507438-7753-43e0-B8FC-AC1667EBCBE1}">
-                <a14:hiddenEffects xmlns:lc="http://schemas.openxmlformats.org/drawingml/2006/lockedCanvas" xmlns:a14="http://schemas.microsoft.com/office/drawing/2010/main" xmlns="">
+                <a14:hiddenEffects xmlns="" xmlns:a14="http://schemas.microsoft.com/office/drawing/2010/main" xmlns:lc="http://schemas.openxmlformats.org/drawingml/2006/lockedCanvas">
                   <a:effectLst>
                     <a:outerShdw dist="35921" dir="2700000" algn="ctr" rotWithShape="0">
                       <a:schemeClr val="bg2"/>
@@ -9335,7 +9336,7 @@
             <a:ln/>
             <a:extLst>
               <a:ext uri="{AF507438-7753-43e0-B8FC-AC1667EBCBE1}">
-                <a14:hiddenEffects xmlns:lc="http://schemas.openxmlformats.org/drawingml/2006/lockedCanvas" xmlns:a14="http://schemas.microsoft.com/office/drawing/2010/main" xmlns="">
+                <a14:hiddenEffects xmlns="" xmlns:a14="http://schemas.microsoft.com/office/drawing/2010/main" xmlns:lc="http://schemas.openxmlformats.org/drawingml/2006/lockedCanvas">
                   <a:effectLst>
                     <a:outerShdw dist="35921" dir="2700000" algn="ctr" rotWithShape="0">
                       <a:schemeClr val="bg2"/>
@@ -9914,7 +9915,7 @@
                 </a:ln>
                 <a:extLst>
                   <a:ext uri="{AF507438-7753-43e0-B8FC-AC1667EBCBE1}">
-                    <a14:hiddenEffects xmlns:lc="http://schemas.openxmlformats.org/drawingml/2006/lockedCanvas" xmlns:a14="http://schemas.microsoft.com/office/drawing/2010/main" xmlns="">
+                    <a14:hiddenEffects xmlns="" xmlns:a14="http://schemas.microsoft.com/office/drawing/2010/main" xmlns:lc="http://schemas.openxmlformats.org/drawingml/2006/lockedCanvas">
                       <a:effectLst>
                         <a:outerShdw dist="35921" dir="2700000" algn="ctr" rotWithShape="0">
                           <a:schemeClr val="bg2"/>
@@ -10624,7 +10625,7 @@
               </a:ln>
               <a:extLst>
                 <a:ext uri="{AF507438-7753-43e0-B8FC-AC1667EBCBE1}">
-                  <a14:hiddenEffects xmlns:lc="http://schemas.openxmlformats.org/drawingml/2006/lockedCanvas" xmlns:a14="http://schemas.microsoft.com/office/drawing/2010/main" xmlns="">
+                  <a14:hiddenEffects xmlns="" xmlns:a14="http://schemas.microsoft.com/office/drawing/2010/main" xmlns:lc="http://schemas.openxmlformats.org/drawingml/2006/lockedCanvas">
                     <a:effectLst>
                       <a:outerShdw dist="35921" dir="2700000" algn="ctr" rotWithShape="0">
                         <a:schemeClr val="bg2"/>
@@ -11728,7 +11729,7 @@
             <a:ln/>
             <a:extLst>
               <a:ext uri="{AF507438-7753-43e0-B8FC-AC1667EBCBE1}">
-                <a14:hiddenEffects xmlns:lc="http://schemas.openxmlformats.org/drawingml/2006/lockedCanvas" xmlns:a14="http://schemas.microsoft.com/office/drawing/2010/main" xmlns="">
+                <a14:hiddenEffects xmlns="" xmlns:a14="http://schemas.microsoft.com/office/drawing/2010/main" xmlns:lc="http://schemas.openxmlformats.org/drawingml/2006/lockedCanvas">
                   <a:effectLst>
                     <a:outerShdw dist="35921" dir="2700000" algn="ctr" rotWithShape="0">
                       <a:schemeClr val="bg2"/>
